--- a/waveforms&photos/BlockDiagram01.pptx
+++ b/waveforms&photos/BlockDiagram01.pptx
@@ -7615,7 +7615,7 @@
           <p:nvPr/>
         </p:nvSpPr>
         <p:spPr>
-          <a:xfrm rot="5400000">
+          <a:xfrm rot="16200000">
             <a:off x="2479582" y="4145577"/>
             <a:ext cx="860605" cy="484632"/>
           </a:xfrm>
